--- a/brWheel_my/wirings/HX711_load_cell_wiring_diagram.pptx
+++ b/brWheel_my/wirings/HX711_load_cell_wiring_diagram.pptx
@@ -241,7 +241,7 @@
           <a:p>
             <a:fld id="{A398FB1A-F8C3-427F-BE44-B87966AC4D7F}" type="datetimeFigureOut">
               <a:rPr lang="en-US" smtClean="0"/>
-              <a:t>03-Jul-22</a:t>
+              <a:t>20-Mar-25</a:t>
             </a:fld>
             <a:endParaRPr lang="en-US"/>
           </a:p>
@@ -409,7 +409,7 @@
           <a:p>
             <a:fld id="{A398FB1A-F8C3-427F-BE44-B87966AC4D7F}" type="datetimeFigureOut">
               <a:rPr lang="en-US" smtClean="0"/>
-              <a:t>03-Jul-22</a:t>
+              <a:t>20-Mar-25</a:t>
             </a:fld>
             <a:endParaRPr lang="en-US"/>
           </a:p>
@@ -587,7 +587,7 @@
           <a:p>
             <a:fld id="{A398FB1A-F8C3-427F-BE44-B87966AC4D7F}" type="datetimeFigureOut">
               <a:rPr lang="en-US" smtClean="0"/>
-              <a:t>03-Jul-22</a:t>
+              <a:t>20-Mar-25</a:t>
             </a:fld>
             <a:endParaRPr lang="en-US"/>
           </a:p>
@@ -755,7 +755,7 @@
           <a:p>
             <a:fld id="{A398FB1A-F8C3-427F-BE44-B87966AC4D7F}" type="datetimeFigureOut">
               <a:rPr lang="en-US" smtClean="0"/>
-              <a:t>03-Jul-22</a:t>
+              <a:t>20-Mar-25</a:t>
             </a:fld>
             <a:endParaRPr lang="en-US"/>
           </a:p>
@@ -1000,7 +1000,7 @@
           <a:p>
             <a:fld id="{A398FB1A-F8C3-427F-BE44-B87966AC4D7F}" type="datetimeFigureOut">
               <a:rPr lang="en-US" smtClean="0"/>
-              <a:t>03-Jul-22</a:t>
+              <a:t>20-Mar-25</a:t>
             </a:fld>
             <a:endParaRPr lang="en-US"/>
           </a:p>
@@ -1229,7 +1229,7 @@
           <a:p>
             <a:fld id="{A398FB1A-F8C3-427F-BE44-B87966AC4D7F}" type="datetimeFigureOut">
               <a:rPr lang="en-US" smtClean="0"/>
-              <a:t>03-Jul-22</a:t>
+              <a:t>20-Mar-25</a:t>
             </a:fld>
             <a:endParaRPr lang="en-US"/>
           </a:p>
@@ -1593,7 +1593,7 @@
           <a:p>
             <a:fld id="{A398FB1A-F8C3-427F-BE44-B87966AC4D7F}" type="datetimeFigureOut">
               <a:rPr lang="en-US" smtClean="0"/>
-              <a:t>03-Jul-22</a:t>
+              <a:t>20-Mar-25</a:t>
             </a:fld>
             <a:endParaRPr lang="en-US"/>
           </a:p>
@@ -1710,7 +1710,7 @@
           <a:p>
             <a:fld id="{A398FB1A-F8C3-427F-BE44-B87966AC4D7F}" type="datetimeFigureOut">
               <a:rPr lang="en-US" smtClean="0"/>
-              <a:t>03-Jul-22</a:t>
+              <a:t>20-Mar-25</a:t>
             </a:fld>
             <a:endParaRPr lang="en-US"/>
           </a:p>
@@ -1805,7 +1805,7 @@
           <a:p>
             <a:fld id="{A398FB1A-F8C3-427F-BE44-B87966AC4D7F}" type="datetimeFigureOut">
               <a:rPr lang="en-US" smtClean="0"/>
-              <a:t>03-Jul-22</a:t>
+              <a:t>20-Mar-25</a:t>
             </a:fld>
             <a:endParaRPr lang="en-US"/>
           </a:p>
@@ -2080,7 +2080,7 @@
           <a:p>
             <a:fld id="{A398FB1A-F8C3-427F-BE44-B87966AC4D7F}" type="datetimeFigureOut">
               <a:rPr lang="en-US" smtClean="0"/>
-              <a:t>03-Jul-22</a:t>
+              <a:t>20-Mar-25</a:t>
             </a:fld>
             <a:endParaRPr lang="en-US"/>
           </a:p>
@@ -2332,7 +2332,7 @@
           <a:p>
             <a:fld id="{A398FB1A-F8C3-427F-BE44-B87966AC4D7F}" type="datetimeFigureOut">
               <a:rPr lang="en-US" smtClean="0"/>
-              <a:t>03-Jul-22</a:t>
+              <a:t>20-Mar-25</a:t>
             </a:fld>
             <a:endParaRPr lang="en-US"/>
           </a:p>
@@ -2543,7 +2543,7 @@
           <a:p>
             <a:fld id="{A398FB1A-F8C3-427F-BE44-B87966AC4D7F}" type="datetimeFigureOut">
               <a:rPr lang="en-US" smtClean="0"/>
-              <a:t>03-Jul-22</a:t>
+              <a:t>20-Mar-25</a:t>
             </a:fld>
             <a:endParaRPr lang="en-US"/>
           </a:p>
@@ -3001,14 +3001,10 @@
           <a:p>
             <a:r>
               <a:rPr lang="en-US" dirty="0"/>
-              <a:t>Arduino </a:t>
-            </a:r>
-            <a:r>
-              <a:rPr lang="en-US" dirty="0" smtClean="0"/>
-              <a:t>Leonardo, Micro or </a:t>
-            </a:r>
-            <a:r>
-              <a:rPr lang="en-US" dirty="0" err="1" smtClean="0"/>
+              <a:t>Arduino Leonardo, Micro or </a:t>
+            </a:r>
+            <a:r>
+              <a:rPr lang="en-US" dirty="0" err="1"/>
               <a:t>ProMicro</a:t>
             </a:r>
             <a:endParaRPr lang="en-US" dirty="0"/>
@@ -3094,7 +3090,7 @@
         <p:spPr>
           <a:xfrm>
             <a:off x="2066395" y="221756"/>
-            <a:ext cx="7478009" cy="369332"/>
+            <a:ext cx="7992444" cy="369332"/>
           </a:xfrm>
           <a:prstGeom prst="rect">
             <a:avLst/>
@@ -3108,22 +3104,9 @@
           <a:lstStyle/>
           <a:p>
             <a:r>
-              <a:rPr lang="en-US" dirty="0" smtClean="0"/>
-              <a:t>Wiring diagram </a:t>
-            </a:r>
-            <a:r>
-              <a:rPr lang="en-US" dirty="0" smtClean="0"/>
-              <a:t>for HX711 chip and load cell (only </a:t>
-            </a:r>
-            <a:r>
-              <a:rPr lang="en-US" dirty="0" smtClean="0"/>
-              <a:t>valid for firmware </a:t>
-            </a:r>
-            <a:r>
-              <a:rPr lang="en-US" dirty="0" smtClean="0"/>
-              <a:t>fw-vXX2)</a:t>
-            </a:r>
-            <a:endParaRPr lang="en-US" dirty="0"/>
+              <a:rPr lang="en-US" dirty="0"/>
+              <a:t>Wiring diagram for HX711 chip and load cell (only valid for firmware with option “l”)</a:t>
+            </a:r>
           </a:p>
         </p:txBody>
       </p:sp>
@@ -3150,114 +3133,57 @@
           <a:lstStyle/>
           <a:p>
             <a:r>
-              <a:rPr lang="en-US" dirty="0" smtClean="0"/>
-              <a:t>LC	HX711</a:t>
-            </a:r>
-            <a:r>
               <a:rPr lang="en-US" dirty="0"/>
-              <a:t>	</a:t>
-            </a:r>
-            <a:r>
-              <a:rPr lang="en-US" dirty="0" smtClean="0"/>
-              <a:t>Arduino</a:t>
-            </a:r>
-            <a:endParaRPr lang="en-US" dirty="0" smtClean="0"/>
-          </a:p>
-          <a:p>
-            <a:r>
-              <a:rPr lang="en-US" dirty="0" smtClean="0"/>
+              <a:t>LC	HX711	Arduino</a:t>
+            </a:r>
+          </a:p>
+          <a:p>
+            <a:r>
+              <a:rPr lang="en-US" dirty="0"/>
               <a:t>	VCC 	5V</a:t>
             </a:r>
-            <a:endParaRPr lang="en-US" dirty="0" smtClean="0"/>
-          </a:p>
-          <a:p>
-            <a:r>
-              <a:rPr lang="en-US" dirty="0" smtClean="0"/>
-              <a:t>	GND</a:t>
-            </a:r>
-            <a:r>
-              <a:rPr lang="en-US" dirty="0" smtClean="0"/>
-              <a:t>	GND</a:t>
-            </a:r>
-          </a:p>
-          <a:p>
-            <a:r>
-              <a:rPr lang="en-US" dirty="0" smtClean="0"/>
-              <a:t>	DT</a:t>
-            </a:r>
-            <a:r>
-              <a:rPr lang="en-US" dirty="0" smtClean="0"/>
-              <a:t>	</a:t>
-            </a:r>
+          </a:p>
+          <a:p>
             <a:r>
               <a:rPr lang="en-US" dirty="0"/>
-              <a:t>4</a:t>
-            </a:r>
-            <a:endParaRPr lang="en-US" dirty="0" smtClean="0"/>
-          </a:p>
-          <a:p>
-            <a:r>
-              <a:rPr lang="en-US" dirty="0" smtClean="0"/>
-              <a:t>	SCK</a:t>
-            </a:r>
-            <a:r>
-              <a:rPr lang="en-US" dirty="0" smtClean="0"/>
-              <a:t>	</a:t>
-            </a:r>
+              <a:t>	GND	GND</a:t>
+            </a:r>
+          </a:p>
+          <a:p>
             <a:r>
               <a:rPr lang="en-US" dirty="0"/>
-              <a:t>5</a:t>
-            </a:r>
-            <a:endParaRPr lang="en-US" dirty="0"/>
-          </a:p>
-          <a:p>
-            <a:r>
-              <a:rPr lang="en-US" dirty="0" smtClean="0"/>
+              <a:t>	DT	4</a:t>
+            </a:r>
+          </a:p>
+          <a:p>
+            <a:r>
+              <a:rPr lang="en-US" dirty="0"/>
+              <a:t>	SCK	5</a:t>
+            </a:r>
+          </a:p>
+          <a:p>
+            <a:r>
+              <a:rPr lang="en-US" dirty="0"/>
               <a:t>red	E+</a:t>
             </a:r>
           </a:p>
           <a:p>
             <a:r>
-              <a:rPr lang="en-US" dirty="0" smtClean="0"/>
-              <a:t>black</a:t>
-            </a:r>
-            <a:r>
               <a:rPr lang="en-US" dirty="0"/>
-              <a:t>	</a:t>
-            </a:r>
-            <a:r>
-              <a:rPr lang="en-US" dirty="0" smtClean="0"/>
-              <a:t>E-</a:t>
-            </a:r>
-          </a:p>
-          <a:p>
-            <a:r>
-              <a:rPr lang="en-US" dirty="0" smtClean="0"/>
-              <a:t>white</a:t>
-            </a:r>
+              <a:t>black	E-</a:t>
+            </a:r>
+          </a:p>
+          <a:p>
             <a:r>
               <a:rPr lang="en-US" dirty="0"/>
-              <a:t>	</a:t>
-            </a:r>
-            <a:r>
-              <a:rPr lang="en-US" dirty="0" smtClean="0"/>
-              <a:t>A+</a:t>
-            </a:r>
-          </a:p>
-          <a:p>
-            <a:r>
-              <a:rPr lang="en-US" dirty="0" smtClean="0"/>
-              <a:t>green</a:t>
-            </a:r>
+              <a:t>white	A+</a:t>
+            </a:r>
+          </a:p>
+          <a:p>
             <a:r>
               <a:rPr lang="en-US" dirty="0"/>
-              <a:t>	</a:t>
-            </a:r>
-            <a:r>
-              <a:rPr lang="en-US" dirty="0" smtClean="0"/>
-              <a:t>A-</a:t>
-            </a:r>
-            <a:endParaRPr lang="en-US" dirty="0"/>
+              <a:t>green	A-</a:t>
+            </a:r>
           </a:p>
         </p:txBody>
       </p:sp>
@@ -4400,10 +4326,9 @@
           <a:lstStyle/>
           <a:p>
             <a:r>
-              <a:rPr lang="en-US" dirty="0" smtClean="0"/>
+              <a:rPr lang="en-US" dirty="0"/>
               <a:t>E+</a:t>
             </a:r>
-            <a:endParaRPr lang="en-US" dirty="0"/>
           </a:p>
         </p:txBody>
       </p:sp>
@@ -4430,10 +4355,9 @@
           <a:lstStyle/>
           <a:p>
             <a:r>
-              <a:rPr lang="en-US" dirty="0" smtClean="0"/>
+              <a:rPr lang="en-US" dirty="0"/>
               <a:t>E-</a:t>
             </a:r>
-            <a:endParaRPr lang="en-US" dirty="0"/>
           </a:p>
         </p:txBody>
       </p:sp>
@@ -4461,13 +4385,8 @@
           <a:p>
             <a:r>
               <a:rPr lang="en-US" dirty="0"/>
-              <a:t>A</a:t>
-            </a:r>
-            <a:r>
-              <a:rPr lang="en-US" dirty="0" smtClean="0"/>
-              <a:t>+</a:t>
-            </a:r>
-            <a:endParaRPr lang="en-US" dirty="0"/>
+              <a:t>A+</a:t>
+            </a:r>
           </a:p>
         </p:txBody>
       </p:sp>
@@ -4494,12 +4413,8 @@
           <a:lstStyle/>
           <a:p>
             <a:r>
-              <a:rPr lang="en-US" dirty="0" smtClean="0"/>
-              <a:t>A</a:t>
-            </a:r>
-            <a:r>
               <a:rPr lang="en-US" dirty="0"/>
-              <a:t>-</a:t>
+              <a:t>A-</a:t>
             </a:r>
           </a:p>
         </p:txBody>
@@ -4527,10 +4442,9 @@
           <a:lstStyle/>
           <a:p>
             <a:r>
-              <a:rPr lang="en-US" dirty="0" smtClean="0"/>
+              <a:rPr lang="en-US" dirty="0"/>
               <a:t>LC - 4 wire load cell (full bridge)</a:t>
             </a:r>
-            <a:endParaRPr lang="en-US" dirty="0"/>
           </a:p>
         </p:txBody>
       </p:sp>
@@ -4557,29 +4471,25 @@
           <a:lstStyle/>
           <a:p>
             <a:r>
-              <a:rPr lang="en-US" sz="1400" i="1" dirty="0" smtClean="0"/>
+              <a:rPr lang="en-US" sz="1400" i="1" dirty="0"/>
               <a:t>if nothing is happening with the brake</a:t>
             </a:r>
           </a:p>
           <a:p>
             <a:r>
               <a:rPr lang="en-US" sz="1400" i="1" dirty="0"/>
-              <a:t>p</a:t>
-            </a:r>
-            <a:r>
-              <a:rPr lang="en-US" sz="1400" i="1" dirty="0" smtClean="0"/>
-              <a:t>edal, you may try to swap A- and A+</a:t>
-            </a:r>
-          </a:p>
-          <a:p>
-            <a:r>
-              <a:rPr lang="en-US" sz="1400" i="1" dirty="0" smtClean="0"/>
+              <a:t>pedal, you may try to swap A- and A+</a:t>
+            </a:r>
+          </a:p>
+          <a:p>
+            <a:r>
+              <a:rPr lang="en-US" sz="1400" i="1" dirty="0"/>
               <a:t>wires on the load cell, because your</a:t>
             </a:r>
           </a:p>
           <a:p>
             <a:r>
-              <a:rPr lang="en-US" sz="1400" i="1" dirty="0" smtClean="0"/>
+              <a:rPr lang="en-US" sz="1400" i="1" dirty="0"/>
               <a:t>load cell may output a reversed voltage</a:t>
             </a:r>
           </a:p>
@@ -4588,22 +4498,21 @@
           </a:p>
           <a:p>
             <a:r>
-              <a:rPr lang="en-US" sz="1400" i="1" dirty="0" smtClean="0"/>
+              <a:rPr lang="en-US" sz="1400" i="1" dirty="0"/>
               <a:t>it is recommended to use a shielded cable</a:t>
             </a:r>
           </a:p>
           <a:p>
             <a:r>
-              <a:rPr lang="en-US" sz="1400" i="1" dirty="0" smtClean="0"/>
+              <a:rPr lang="en-US" sz="1400" i="1" dirty="0"/>
               <a:t>between HX711 and a load cell in order to</a:t>
             </a:r>
           </a:p>
           <a:p>
             <a:r>
-              <a:rPr lang="en-US" sz="1400" i="1" dirty="0" smtClean="0"/>
+              <a:rPr lang="en-US" sz="1400" i="1" dirty="0"/>
               <a:t>reduce signal noise as much as possible</a:t>
             </a:r>
-            <a:endParaRPr lang="en-US" sz="1400" i="1" dirty="0"/>
           </a:p>
         </p:txBody>
       </p:sp>
@@ -4630,34 +4539,33 @@
           <a:lstStyle/>
           <a:p>
             <a:r>
-              <a:rPr lang="en-US" sz="1400" i="1" dirty="0" smtClean="0"/>
+              <a:rPr lang="en-US" sz="1400" i="1" dirty="0"/>
               <a:t>you can set HX711 in 80Hz</a:t>
             </a:r>
           </a:p>
           <a:p>
             <a:r>
-              <a:rPr lang="en-US" sz="1400" i="1" dirty="0" smtClean="0"/>
+              <a:rPr lang="en-US" sz="1400" i="1" dirty="0"/>
               <a:t>mode by manually soldering</a:t>
             </a:r>
           </a:p>
           <a:p>
             <a:r>
-              <a:rPr lang="en-US" sz="1400" i="1" dirty="0" smtClean="0"/>
+              <a:rPr lang="en-US" sz="1400" i="1" dirty="0"/>
               <a:t>pin 15 to VCC, some traces</a:t>
             </a:r>
           </a:p>
           <a:p>
             <a:r>
-              <a:rPr lang="en-US" sz="1400" i="1" dirty="0" smtClean="0"/>
+              <a:rPr lang="en-US" sz="1400" i="1" dirty="0"/>
               <a:t>may need cutting to avoid</a:t>
             </a:r>
           </a:p>
           <a:p>
             <a:r>
-              <a:rPr lang="en-US" sz="1400" i="1" dirty="0" smtClean="0"/>
+              <a:rPr lang="en-US" sz="1400" i="1" dirty="0"/>
               <a:t>shorting, so please be careful</a:t>
             </a:r>
-            <a:endParaRPr lang="en-US" sz="1400" i="1" dirty="0"/>
           </a:p>
         </p:txBody>
       </p:sp>
@@ -4684,7 +4592,7 @@
           <a:lstStyle/>
           <a:p>
             <a:r>
-              <a:rPr lang="en-US" dirty="0" smtClean="0"/>
+              <a:rPr lang="en-US" dirty="0"/>
               <a:t>red</a:t>
             </a:r>
           </a:p>
@@ -4713,7 +4621,7 @@
           <a:lstStyle/>
           <a:p>
             <a:r>
-              <a:rPr lang="en-US" dirty="0" smtClean="0"/>
+              <a:rPr lang="en-US" dirty="0"/>
               <a:t>black</a:t>
             </a:r>
           </a:p>
@@ -4742,7 +4650,7 @@
           <a:lstStyle/>
           <a:p>
             <a:r>
-              <a:rPr lang="en-US" dirty="0" smtClean="0"/>
+              <a:rPr lang="en-US" dirty="0"/>
               <a:t>white</a:t>
             </a:r>
           </a:p>
@@ -4771,7 +4679,7 @@
           <a:lstStyle/>
           <a:p>
             <a:r>
-              <a:rPr lang="en-US" dirty="0" smtClean="0"/>
+              <a:rPr lang="en-US" dirty="0"/>
               <a:t>green</a:t>
             </a:r>
           </a:p>
